--- a/paper/figures/reqGuidedTesting.pptx
+++ b/paper/figures/reqGuidedTesting.pptx
@@ -288,7 +288,7 @@
           <a:p>
             <a:fld id="{C81BECF4-D2A0-9A4D-A8EF-17A88D73B823}" type="datetimeFigureOut">
               <a:rPr lang="en-US" smtClean="0"/>
-              <a:t>4/12/15</a:t>
+              <a:t>4/15/15</a:t>
             </a:fld>
             <a:endParaRPr lang="en-US"/>
           </a:p>
@@ -458,7 +458,7 @@
           <a:p>
             <a:fld id="{C81BECF4-D2A0-9A4D-A8EF-17A88D73B823}" type="datetimeFigureOut">
               <a:rPr lang="en-US" smtClean="0"/>
-              <a:t>4/12/15</a:t>
+              <a:t>4/15/15</a:t>
             </a:fld>
             <a:endParaRPr lang="en-US"/>
           </a:p>
@@ -638,7 +638,7 @@
           <a:p>
             <a:fld id="{C81BECF4-D2A0-9A4D-A8EF-17A88D73B823}" type="datetimeFigureOut">
               <a:rPr lang="en-US" smtClean="0"/>
-              <a:t>4/12/15</a:t>
+              <a:t>4/15/15</a:t>
             </a:fld>
             <a:endParaRPr lang="en-US"/>
           </a:p>
@@ -808,7 +808,7 @@
           <a:p>
             <a:fld id="{C81BECF4-D2A0-9A4D-A8EF-17A88D73B823}" type="datetimeFigureOut">
               <a:rPr lang="en-US" smtClean="0"/>
-              <a:t>4/12/15</a:t>
+              <a:t>4/15/15</a:t>
             </a:fld>
             <a:endParaRPr lang="en-US"/>
           </a:p>
@@ -1054,7 +1054,7 @@
           <a:p>
             <a:fld id="{C81BECF4-D2A0-9A4D-A8EF-17A88D73B823}" type="datetimeFigureOut">
               <a:rPr lang="en-US" smtClean="0"/>
-              <a:t>4/12/15</a:t>
+              <a:t>4/15/15</a:t>
             </a:fld>
             <a:endParaRPr lang="en-US"/>
           </a:p>
@@ -1342,7 +1342,7 @@
           <a:p>
             <a:fld id="{C81BECF4-D2A0-9A4D-A8EF-17A88D73B823}" type="datetimeFigureOut">
               <a:rPr lang="en-US" smtClean="0"/>
-              <a:t>4/12/15</a:t>
+              <a:t>4/15/15</a:t>
             </a:fld>
             <a:endParaRPr lang="en-US"/>
           </a:p>
@@ -1764,7 +1764,7 @@
           <a:p>
             <a:fld id="{C81BECF4-D2A0-9A4D-A8EF-17A88D73B823}" type="datetimeFigureOut">
               <a:rPr lang="en-US" smtClean="0"/>
-              <a:t>4/12/15</a:t>
+              <a:t>4/15/15</a:t>
             </a:fld>
             <a:endParaRPr lang="en-US"/>
           </a:p>
@@ -1882,7 +1882,7 @@
           <a:p>
             <a:fld id="{C81BECF4-D2A0-9A4D-A8EF-17A88D73B823}" type="datetimeFigureOut">
               <a:rPr lang="en-US" smtClean="0"/>
-              <a:t>4/12/15</a:t>
+              <a:t>4/15/15</a:t>
             </a:fld>
             <a:endParaRPr lang="en-US"/>
           </a:p>
@@ -1977,7 +1977,7 @@
           <a:p>
             <a:fld id="{C81BECF4-D2A0-9A4D-A8EF-17A88D73B823}" type="datetimeFigureOut">
               <a:rPr lang="en-US" smtClean="0"/>
-              <a:t>4/12/15</a:t>
+              <a:t>4/15/15</a:t>
             </a:fld>
             <a:endParaRPr lang="en-US"/>
           </a:p>
@@ -2254,7 +2254,7 @@
           <a:p>
             <a:fld id="{C81BECF4-D2A0-9A4D-A8EF-17A88D73B823}" type="datetimeFigureOut">
               <a:rPr lang="en-US" smtClean="0"/>
-              <a:t>4/12/15</a:t>
+              <a:t>4/15/15</a:t>
             </a:fld>
             <a:endParaRPr lang="en-US"/>
           </a:p>
@@ -2507,7 +2507,7 @@
           <a:p>
             <a:fld id="{C81BECF4-D2A0-9A4D-A8EF-17A88D73B823}" type="datetimeFigureOut">
               <a:rPr lang="en-US" smtClean="0"/>
-              <a:t>4/12/15</a:t>
+              <a:t>4/15/15</a:t>
             </a:fld>
             <a:endParaRPr lang="en-US"/>
           </a:p>
@@ -2720,7 +2720,7 @@
           <a:p>
             <a:fld id="{C81BECF4-D2A0-9A4D-A8EF-17A88D73B823}" type="datetimeFigureOut">
               <a:rPr lang="en-US" smtClean="0"/>
-              <a:t>4/12/15</a:t>
+              <a:t>4/15/15</a:t>
             </a:fld>
             <a:endParaRPr lang="en-US"/>
           </a:p>
@@ -3509,8 +3509,8 @@
         </p:nvCxnSpPr>
         <p:spPr>
           <a:xfrm>
-            <a:off x="1566555" y="644795"/>
-            <a:ext cx="1686022" cy="1"/>
+            <a:off x="1566555" y="1532257"/>
+            <a:ext cx="1384093" cy="0"/>
           </a:xfrm>
           <a:prstGeom prst="line">
             <a:avLst/>
@@ -3546,8 +3546,8 @@
         </p:nvCxnSpPr>
         <p:spPr>
           <a:xfrm>
-            <a:off x="1566555" y="644796"/>
-            <a:ext cx="0" cy="1552326"/>
+            <a:off x="1566555" y="1532257"/>
+            <a:ext cx="0" cy="664865"/>
           </a:xfrm>
           <a:prstGeom prst="line">
             <a:avLst/>
@@ -3655,8 +3655,8 @@
         </p:nvSpPr>
         <p:spPr>
           <a:xfrm>
-            <a:off x="2153172" y="3108998"/>
-            <a:ext cx="797476" cy="369332"/>
+            <a:off x="2950648" y="2212897"/>
+            <a:ext cx="1034733" cy="646331"/>
           </a:xfrm>
           <a:prstGeom prst="rect">
             <a:avLst/>
@@ -3669,9 +3669,17 @@
           </a:bodyPr>
           <a:lstStyle/>
           <a:p>
+            <a:pPr algn="ctr"/>
             <a:r>
               <a:rPr lang="en-US" dirty="0" smtClean="0"/>
-              <a:t>AP, VP</a:t>
+              <a:t>Electrical</a:t>
+            </a:r>
+          </a:p>
+          <a:p>
+            <a:pPr algn="ctr"/>
+            <a:r>
+              <a:rPr lang="en-US" dirty="0" smtClean="0"/>
+              <a:t>Pacing</a:t>
             </a:r>
             <a:endParaRPr lang="en-US" dirty="0"/>
           </a:p>
@@ -3685,8 +3693,8 @@
         </p:nvSpPr>
         <p:spPr>
           <a:xfrm>
-            <a:off x="5558343" y="1991256"/>
-            <a:ext cx="771102" cy="369332"/>
+            <a:off x="5632920" y="2194626"/>
+            <a:ext cx="827458" cy="646331"/>
           </a:xfrm>
           <a:prstGeom prst="rect">
             <a:avLst/>
@@ -3699,9 +3707,17 @@
           </a:bodyPr>
           <a:lstStyle/>
           <a:p>
+            <a:pPr algn="ctr"/>
             <a:r>
               <a:rPr lang="en-US" dirty="0" smtClean="0"/>
-              <a:t>AS, VS</a:t>
+              <a:t>Heart</a:t>
+            </a:r>
+          </a:p>
+          <a:p>
+            <a:pPr algn="ctr"/>
+            <a:r>
+              <a:rPr lang="en-US" dirty="0" smtClean="0"/>
+              <a:t>Signals</a:t>
             </a:r>
             <a:endParaRPr lang="en-US" dirty="0"/>
           </a:p>
@@ -3715,8 +3731,8 @@
         </p:nvSpPr>
         <p:spPr>
           <a:xfrm>
-            <a:off x="556713" y="4238043"/>
-            <a:ext cx="1731401" cy="369332"/>
+            <a:off x="898621" y="4198252"/>
+            <a:ext cx="1787669" cy="646331"/>
           </a:xfrm>
           <a:prstGeom prst="rect">
             <a:avLst/>
@@ -3729,9 +3745,17 @@
           </a:bodyPr>
           <a:lstStyle/>
           <a:p>
+            <a:pPr algn="ctr"/>
             <a:r>
               <a:rPr lang="en-US" dirty="0" smtClean="0"/>
-              <a:t>SA, AV, V, P1, P2</a:t>
+              <a:t>Current States of </a:t>
+            </a:r>
+          </a:p>
+          <a:p>
+            <a:pPr algn="ctr"/>
+            <a:r>
+              <a:rPr lang="en-US" dirty="0" smtClean="0"/>
+              <a:t>the Heart Model</a:t>
             </a:r>
             <a:endParaRPr lang="en-US" dirty="0"/>
           </a:p>
@@ -3745,8 +3769,8 @@
         </p:nvSpPr>
         <p:spPr>
           <a:xfrm>
-            <a:off x="1982523" y="3539482"/>
-            <a:ext cx="569387" cy="369332"/>
+            <a:off x="1223802" y="3313146"/>
+            <a:ext cx="1596598" cy="646331"/>
           </a:xfrm>
           <a:prstGeom prst="rect">
             <a:avLst/>
@@ -3759,39 +3783,16 @@
           </a:bodyPr>
           <a:lstStyle/>
           <a:p>
+            <a:pPr algn="ctr"/>
             <a:r>
               <a:rPr lang="en-US" dirty="0" smtClean="0"/>
-              <a:t>PVC</a:t>
-            </a:r>
-            <a:endParaRPr lang="en-US" dirty="0"/>
-          </a:p>
-        </p:txBody>
-      </p:sp>
-      <p:sp>
-        <p:nvSpPr>
-          <p:cNvPr id="79" name="TextBox 78"/>
-          <p:cNvSpPr txBox="1"/>
-          <p:nvPr/>
-        </p:nvSpPr>
-        <p:spPr>
-          <a:xfrm>
-            <a:off x="1653506" y="728761"/>
-            <a:ext cx="797476" cy="369332"/>
-          </a:xfrm>
-          <a:prstGeom prst="rect">
-            <a:avLst/>
-          </a:prstGeom>
-          <a:noFill/>
-        </p:spPr>
-        <p:txBody>
-          <a:bodyPr wrap="none" rtlCol="0">
-            <a:spAutoFit/>
-          </a:bodyPr>
-          <a:lstStyle/>
+              <a:t>External Inputs </a:t>
+            </a:r>
+          </a:p>
           <a:p>
             <a:r>
               <a:rPr lang="en-US" dirty="0" smtClean="0"/>
-              <a:t>AP, VP</a:t>
+              <a:t>to the Heart</a:t>
             </a:r>
             <a:endParaRPr lang="en-US" dirty="0"/>
           </a:p>

--- a/paper/figures/reqGuidedTesting.pptx
+++ b/paper/figures/reqGuidedTesting.pptx
@@ -3509,8 +3509,8 @@
         </p:nvCxnSpPr>
         <p:spPr>
           <a:xfrm>
-            <a:off x="1566555" y="1532257"/>
-            <a:ext cx="1384093" cy="0"/>
+            <a:off x="1566555" y="875160"/>
+            <a:ext cx="1412922" cy="1"/>
           </a:xfrm>
           <a:prstGeom prst="line">
             <a:avLst/>
@@ -3546,8 +3546,8 @@
         </p:nvCxnSpPr>
         <p:spPr>
           <a:xfrm>
-            <a:off x="1566555" y="1532257"/>
-            <a:ext cx="0" cy="664865"/>
+            <a:off x="1566555" y="875161"/>
+            <a:ext cx="0" cy="1321961"/>
           </a:xfrm>
           <a:prstGeom prst="line">
             <a:avLst/>
@@ -3655,8 +3655,8 @@
         </p:nvSpPr>
         <p:spPr>
           <a:xfrm>
-            <a:off x="2950648" y="2212897"/>
-            <a:ext cx="1034733" cy="646331"/>
+            <a:off x="817349" y="228828"/>
+            <a:ext cx="2330348" cy="646331"/>
           </a:xfrm>
           <a:prstGeom prst="rect">
             <a:avLst/>
@@ -3672,14 +3672,14 @@
             <a:pPr algn="ctr"/>
             <a:r>
               <a:rPr lang="en-US" dirty="0" smtClean="0"/>
-              <a:t>Electrical</a:t>
+              <a:t>Atrial Pacing (AP)</a:t>
             </a:r>
           </a:p>
           <a:p>
             <a:pPr algn="ctr"/>
             <a:r>
               <a:rPr lang="en-US" dirty="0" smtClean="0"/>
-              <a:t>Pacing</a:t>
+              <a:t>Ventricular Pacing (VP)</a:t>
             </a:r>
             <a:endParaRPr lang="en-US" dirty="0"/>
           </a:p>
@@ -3693,8 +3693,8 @@
         </p:nvSpPr>
         <p:spPr>
           <a:xfrm>
-            <a:off x="5632920" y="2194626"/>
-            <a:ext cx="827458" cy="646331"/>
+            <a:off x="3839399" y="1871460"/>
+            <a:ext cx="1776936" cy="646331"/>
           </a:xfrm>
           <a:prstGeom prst="rect">
             <a:avLst/>
@@ -3710,14 +3710,18 @@
             <a:pPr algn="ctr"/>
             <a:r>
               <a:rPr lang="en-US" dirty="0" smtClean="0"/>
-              <a:t>Heart</a:t>
+              <a:t>Atrial </a:t>
+            </a:r>
+            <a:r>
+              <a:rPr lang="en-US" dirty="0" smtClean="0"/>
+              <a:t>Input</a:t>
             </a:r>
           </a:p>
           <a:p>
             <a:pPr algn="ctr"/>
             <a:r>
               <a:rPr lang="en-US" dirty="0" smtClean="0"/>
-              <a:t>Signals</a:t>
+              <a:t>Ventricular Input</a:t>
             </a:r>
             <a:endParaRPr lang="en-US" dirty="0"/>
           </a:p>
@@ -3769,8 +3773,8 @@
         </p:nvSpPr>
         <p:spPr>
           <a:xfrm>
-            <a:off x="1223802" y="3313146"/>
-            <a:ext cx="1596598" cy="646331"/>
+            <a:off x="1164257" y="3385594"/>
+            <a:ext cx="1815220" cy="523220"/>
           </a:xfrm>
           <a:prstGeom prst="rect">
             <a:avLst/>
@@ -3785,16 +3789,17 @@
           <a:p>
             <a:pPr algn="ctr"/>
             <a:r>
-              <a:rPr lang="en-US" dirty="0" smtClean="0"/>
-              <a:t>External Inputs </a:t>
-            </a:r>
-          </a:p>
-          <a:p>
-            <a:r>
-              <a:rPr lang="en-US" dirty="0" smtClean="0"/>
-              <a:t>to the Heart</a:t>
-            </a:r>
-            <a:endParaRPr lang="en-US" dirty="0"/>
+              <a:rPr lang="en-US" sz="1400" dirty="0" smtClean="0"/>
+              <a:t>Premature Ventricular</a:t>
+            </a:r>
+          </a:p>
+          <a:p>
+            <a:pPr algn="ctr"/>
+            <a:r>
+              <a:rPr lang="en-US" sz="1400" dirty="0" smtClean="0"/>
+              <a:t>Contractions (PVC)</a:t>
+            </a:r>
+            <a:endParaRPr lang="en-US" sz="1400" dirty="0"/>
           </a:p>
         </p:txBody>
       </p:sp>
